--- a/Preliminary_Results_10062022.pptx
+++ b/Preliminary_Results_10062022.pptx
@@ -14,7 +14,14 @@
     <p:sldId id="263" r:id="rId8"/>
     <p:sldId id="264" r:id="rId9"/>
     <p:sldId id="265" r:id="rId10"/>
-    <p:sldId id="261" r:id="rId11"/>
+    <p:sldId id="266" r:id="rId11"/>
+    <p:sldId id="267" r:id="rId12"/>
+    <p:sldId id="268" r:id="rId13"/>
+    <p:sldId id="269" r:id="rId14"/>
+    <p:sldId id="261" r:id="rId15"/>
+    <p:sldId id="270" r:id="rId16"/>
+    <p:sldId id="271" r:id="rId17"/>
+    <p:sldId id="272" r:id="rId18"/>
   </p:sldIdLst>
   <p:sldSz cx="12192000" cy="6858000"/>
   <p:notesSz cx="6858000" cy="9144000"/>
@@ -113,6 +120,11 @@
       </a:defRPr>
     </a:lvl9pPr>
   </p:defaultTextStyle>
+  <p:extLst>
+    <p:ext uri="{EFAFB233-063F-42B5-8137-9DF3F51BA10A}">
+      <p15:sldGuideLst xmlns:p15="http://schemas.microsoft.com/office/powerpoint/2012/main"/>
+    </p:ext>
+  </p:extLst>
 </p:presentation>
 </file>
 
@@ -265,7 +277,7 @@
           <a:p>
             <a:fld id="{106FEBA3-6B0B-4D17-871A-FC81CCACBD1D}" type="datetimeFigureOut">
               <a:rPr lang="en-AT" smtClean="0"/>
-              <a:t>10/06/2022</a:t>
+              <a:t>22/06/2022</a:t>
             </a:fld>
             <a:endParaRPr lang="en-AT"/>
           </a:p>
@@ -465,7 +477,7 @@
           <a:p>
             <a:fld id="{106FEBA3-6B0B-4D17-871A-FC81CCACBD1D}" type="datetimeFigureOut">
               <a:rPr lang="en-AT" smtClean="0"/>
-              <a:t>10/06/2022</a:t>
+              <a:t>22/06/2022</a:t>
             </a:fld>
             <a:endParaRPr lang="en-AT"/>
           </a:p>
@@ -675,7 +687,7 @@
           <a:p>
             <a:fld id="{106FEBA3-6B0B-4D17-871A-FC81CCACBD1D}" type="datetimeFigureOut">
               <a:rPr lang="en-AT" smtClean="0"/>
-              <a:t>10/06/2022</a:t>
+              <a:t>22/06/2022</a:t>
             </a:fld>
             <a:endParaRPr lang="en-AT"/>
           </a:p>
@@ -875,7 +887,7 @@
           <a:p>
             <a:fld id="{106FEBA3-6B0B-4D17-871A-FC81CCACBD1D}" type="datetimeFigureOut">
               <a:rPr lang="en-AT" smtClean="0"/>
-              <a:t>10/06/2022</a:t>
+              <a:t>22/06/2022</a:t>
             </a:fld>
             <a:endParaRPr lang="en-AT"/>
           </a:p>
@@ -1151,7 +1163,7 @@
           <a:p>
             <a:fld id="{106FEBA3-6B0B-4D17-871A-FC81CCACBD1D}" type="datetimeFigureOut">
               <a:rPr lang="en-AT" smtClean="0"/>
-              <a:t>10/06/2022</a:t>
+              <a:t>22/06/2022</a:t>
             </a:fld>
             <a:endParaRPr lang="en-AT"/>
           </a:p>
@@ -1419,7 +1431,7 @@
           <a:p>
             <a:fld id="{106FEBA3-6B0B-4D17-871A-FC81CCACBD1D}" type="datetimeFigureOut">
               <a:rPr lang="en-AT" smtClean="0"/>
-              <a:t>10/06/2022</a:t>
+              <a:t>22/06/2022</a:t>
             </a:fld>
             <a:endParaRPr lang="en-AT"/>
           </a:p>
@@ -1834,7 +1846,7 @@
           <a:p>
             <a:fld id="{106FEBA3-6B0B-4D17-871A-FC81CCACBD1D}" type="datetimeFigureOut">
               <a:rPr lang="en-AT" smtClean="0"/>
-              <a:t>10/06/2022</a:t>
+              <a:t>22/06/2022</a:t>
             </a:fld>
             <a:endParaRPr lang="en-AT"/>
           </a:p>
@@ -1976,7 +1988,7 @@
           <a:p>
             <a:fld id="{106FEBA3-6B0B-4D17-871A-FC81CCACBD1D}" type="datetimeFigureOut">
               <a:rPr lang="en-AT" smtClean="0"/>
-              <a:t>10/06/2022</a:t>
+              <a:t>22/06/2022</a:t>
             </a:fld>
             <a:endParaRPr lang="en-AT"/>
           </a:p>
@@ -2089,7 +2101,7 @@
           <a:p>
             <a:fld id="{106FEBA3-6B0B-4D17-871A-FC81CCACBD1D}" type="datetimeFigureOut">
               <a:rPr lang="en-AT" smtClean="0"/>
-              <a:t>10/06/2022</a:t>
+              <a:t>22/06/2022</a:t>
             </a:fld>
             <a:endParaRPr lang="en-AT"/>
           </a:p>
@@ -2402,7 +2414,7 @@
           <a:p>
             <a:fld id="{106FEBA3-6B0B-4D17-871A-FC81CCACBD1D}" type="datetimeFigureOut">
               <a:rPr lang="en-AT" smtClean="0"/>
-              <a:t>10/06/2022</a:t>
+              <a:t>22/06/2022</a:t>
             </a:fld>
             <a:endParaRPr lang="en-AT"/>
           </a:p>
@@ -2691,7 +2703,7 @@
           <a:p>
             <a:fld id="{106FEBA3-6B0B-4D17-871A-FC81CCACBD1D}" type="datetimeFigureOut">
               <a:rPr lang="en-AT" smtClean="0"/>
-              <a:t>10/06/2022</a:t>
+              <a:t>22/06/2022</a:t>
             </a:fld>
             <a:endParaRPr lang="en-AT"/>
           </a:p>
@@ -2934,7 +2946,7 @@
           <a:p>
             <a:fld id="{106FEBA3-6B0B-4D17-871A-FC81CCACBD1D}" type="datetimeFigureOut">
               <a:rPr lang="en-AT" smtClean="0"/>
-              <a:t>10/06/2022</a:t>
+              <a:t>22/06/2022</a:t>
             </a:fld>
             <a:endParaRPr lang="en-AT"/>
           </a:p>
@@ -3436,6 +3448,335 @@
           <p:cNvPr id="2" name="Title 1">
             <a:extLst>
               <a:ext uri="{FF2B5EF4-FFF2-40B4-BE49-F238E27FC236}">
+                <a16:creationId xmlns:a16="http://schemas.microsoft.com/office/drawing/2014/main" id="{A06954F2-ED4F-4454-1950-3883532EFC14}"/>
+              </a:ext>
+            </a:extLst>
+          </p:cNvPr>
+          <p:cNvSpPr>
+            <a:spLocks noGrp="1"/>
+          </p:cNvSpPr>
+          <p:nvPr>
+            <p:ph type="title"/>
+          </p:nvPr>
+        </p:nvSpPr>
+        <p:spPr/>
+        <p:txBody>
+          <a:bodyPr/>
+          <a:lstStyle/>
+          <a:p>
+            <a:r>
+              <a:rPr lang="en-GB" dirty="0"/>
+              <a:t>Positive Affect – Change scores</a:t>
+            </a:r>
+            <a:endParaRPr lang="en-AT" dirty="0"/>
+          </a:p>
+        </p:txBody>
+      </p:sp>
+      <p:pic>
+        <p:nvPicPr>
+          <p:cNvPr id="4" name="Picture 3">
+            <a:extLst>
+              <a:ext uri="{FF2B5EF4-FFF2-40B4-BE49-F238E27FC236}">
+                <a16:creationId xmlns:a16="http://schemas.microsoft.com/office/drawing/2014/main" id="{F057F7ED-5699-4AA6-91B7-C96FC82383A3}"/>
+              </a:ext>
+            </a:extLst>
+          </p:cNvPr>
+          <p:cNvPicPr>
+            <a:picLocks noChangeAspect="1"/>
+          </p:cNvPicPr>
+          <p:nvPr/>
+        </p:nvPicPr>
+        <p:blipFill>
+          <a:blip r:embed="rId2"/>
+          <a:stretch>
+            <a:fillRect/>
+          </a:stretch>
+        </p:blipFill>
+        <p:spPr>
+          <a:xfrm>
+            <a:off x="1090851" y="1276108"/>
+            <a:ext cx="9630021" cy="5512433"/>
+          </a:xfrm>
+          <a:prstGeom prst="rect">
+            <a:avLst/>
+          </a:prstGeom>
+        </p:spPr>
+      </p:pic>
+    </p:spTree>
+    <p:extLst>
+      <p:ext uri="{BB962C8B-B14F-4D97-AF65-F5344CB8AC3E}">
+        <p14:creationId xmlns:p14="http://schemas.microsoft.com/office/powerpoint/2010/main" val="3534095564"/>
+      </p:ext>
+    </p:extLst>
+  </p:cSld>
+  <p:clrMapOvr>
+    <a:masterClrMapping/>
+  </p:clrMapOvr>
+</p:sld>
+</file>
+
+<file path=ppt/slides/slide11.xml><?xml version="1.0" encoding="utf-8"?>
+<p:sld xmlns:a="http://schemas.openxmlformats.org/drawingml/2006/main" xmlns:r="http://schemas.openxmlformats.org/officeDocument/2006/relationships" xmlns:p="http://schemas.openxmlformats.org/presentationml/2006/main">
+  <p:cSld>
+    <p:spTree>
+      <p:nvGrpSpPr>
+        <p:cNvPr id="1" name=""/>
+        <p:cNvGrpSpPr/>
+        <p:nvPr/>
+      </p:nvGrpSpPr>
+      <p:grpSpPr>
+        <a:xfrm>
+          <a:off x="0" y="0"/>
+          <a:ext cx="0" cy="0"/>
+          <a:chOff x="0" y="0"/>
+          <a:chExt cx="0" cy="0"/>
+        </a:xfrm>
+      </p:grpSpPr>
+      <p:pic>
+        <p:nvPicPr>
+          <p:cNvPr id="4" name="Picture 3">
+            <a:extLst>
+              <a:ext uri="{FF2B5EF4-FFF2-40B4-BE49-F238E27FC236}">
+                <a16:creationId xmlns:a16="http://schemas.microsoft.com/office/drawing/2014/main" id="{AE075E5C-8902-074F-327F-78C43D357188}"/>
+              </a:ext>
+            </a:extLst>
+          </p:cNvPr>
+          <p:cNvPicPr>
+            <a:picLocks noChangeAspect="1"/>
+          </p:cNvPicPr>
+          <p:nvPr/>
+        </p:nvPicPr>
+        <p:blipFill>
+          <a:blip r:embed="rId2"/>
+          <a:stretch>
+            <a:fillRect/>
+          </a:stretch>
+        </p:blipFill>
+        <p:spPr>
+          <a:xfrm>
+            <a:off x="2944880" y="233653"/>
+            <a:ext cx="6302239" cy="6390693"/>
+          </a:xfrm>
+          <a:prstGeom prst="rect">
+            <a:avLst/>
+          </a:prstGeom>
+        </p:spPr>
+      </p:pic>
+    </p:spTree>
+    <p:extLst>
+      <p:ext uri="{BB962C8B-B14F-4D97-AF65-F5344CB8AC3E}">
+        <p14:creationId xmlns:p14="http://schemas.microsoft.com/office/powerpoint/2010/main" val="2373744251"/>
+      </p:ext>
+    </p:extLst>
+  </p:cSld>
+  <p:clrMapOvr>
+    <a:masterClrMapping/>
+  </p:clrMapOvr>
+</p:sld>
+</file>
+
+<file path=ppt/slides/slide12.xml><?xml version="1.0" encoding="utf-8"?>
+<p:sld xmlns:a="http://schemas.openxmlformats.org/drawingml/2006/main" xmlns:r="http://schemas.openxmlformats.org/officeDocument/2006/relationships" xmlns:p="http://schemas.openxmlformats.org/presentationml/2006/main">
+  <p:cSld>
+    <p:spTree>
+      <p:nvGrpSpPr>
+        <p:cNvPr id="1" name=""/>
+        <p:cNvGrpSpPr/>
+        <p:nvPr/>
+      </p:nvGrpSpPr>
+      <p:grpSpPr>
+        <a:xfrm>
+          <a:off x="0" y="0"/>
+          <a:ext cx="0" cy="0"/>
+          <a:chOff x="0" y="0"/>
+          <a:chExt cx="0" cy="0"/>
+        </a:xfrm>
+      </p:grpSpPr>
+      <p:pic>
+        <p:nvPicPr>
+          <p:cNvPr id="8" name="Picture 7">
+            <a:extLst>
+              <a:ext uri="{FF2B5EF4-FFF2-40B4-BE49-F238E27FC236}">
+                <a16:creationId xmlns:a16="http://schemas.microsoft.com/office/drawing/2014/main" id="{D0E37D21-4140-4F8A-D986-19D6543DD335}"/>
+              </a:ext>
+            </a:extLst>
+          </p:cNvPr>
+          <p:cNvPicPr>
+            <a:picLocks noChangeAspect="1"/>
+          </p:cNvPicPr>
+          <p:nvPr/>
+        </p:nvPicPr>
+        <p:blipFill>
+          <a:blip r:embed="rId2"/>
+          <a:stretch>
+            <a:fillRect/>
+          </a:stretch>
+        </p:blipFill>
+        <p:spPr>
+          <a:xfrm>
+            <a:off x="-1" y="0"/>
+            <a:ext cx="6568997" cy="3760237"/>
+          </a:xfrm>
+          <a:prstGeom prst="rect">
+            <a:avLst/>
+          </a:prstGeom>
+        </p:spPr>
+      </p:pic>
+      <p:pic>
+        <p:nvPicPr>
+          <p:cNvPr id="10" name="Picture 9">
+            <a:extLst>
+              <a:ext uri="{FF2B5EF4-FFF2-40B4-BE49-F238E27FC236}">
+                <a16:creationId xmlns:a16="http://schemas.microsoft.com/office/drawing/2014/main" id="{33744CE6-7427-B761-F2E1-1B644900D59B}"/>
+              </a:ext>
+            </a:extLst>
+          </p:cNvPr>
+          <p:cNvPicPr>
+            <a:picLocks noChangeAspect="1"/>
+          </p:cNvPicPr>
+          <p:nvPr/>
+        </p:nvPicPr>
+        <p:blipFill>
+          <a:blip r:embed="rId3"/>
+          <a:stretch>
+            <a:fillRect/>
+          </a:stretch>
+        </p:blipFill>
+        <p:spPr>
+          <a:xfrm>
+            <a:off x="6008914" y="3318666"/>
+            <a:ext cx="6183086" cy="3539333"/>
+          </a:xfrm>
+          <a:prstGeom prst="rect">
+            <a:avLst/>
+          </a:prstGeom>
+        </p:spPr>
+      </p:pic>
+    </p:spTree>
+    <p:extLst>
+      <p:ext uri="{BB962C8B-B14F-4D97-AF65-F5344CB8AC3E}">
+        <p14:creationId xmlns:p14="http://schemas.microsoft.com/office/powerpoint/2010/main" val="3548176786"/>
+      </p:ext>
+    </p:extLst>
+  </p:cSld>
+  <p:clrMapOvr>
+    <a:masterClrMapping/>
+  </p:clrMapOvr>
+</p:sld>
+</file>
+
+<file path=ppt/slides/slide13.xml><?xml version="1.0" encoding="utf-8"?>
+<p:sld xmlns:a="http://schemas.openxmlformats.org/drawingml/2006/main" xmlns:r="http://schemas.openxmlformats.org/officeDocument/2006/relationships" xmlns:p="http://schemas.openxmlformats.org/presentationml/2006/main">
+  <p:cSld>
+    <p:spTree>
+      <p:nvGrpSpPr>
+        <p:cNvPr id="1" name=""/>
+        <p:cNvGrpSpPr/>
+        <p:nvPr/>
+      </p:nvGrpSpPr>
+      <p:grpSpPr>
+        <a:xfrm>
+          <a:off x="0" y="0"/>
+          <a:ext cx="0" cy="0"/>
+          <a:chOff x="0" y="0"/>
+          <a:chExt cx="0" cy="0"/>
+        </a:xfrm>
+      </p:grpSpPr>
+      <p:pic>
+        <p:nvPicPr>
+          <p:cNvPr id="4" name="Picture 3">
+            <a:extLst>
+              <a:ext uri="{FF2B5EF4-FFF2-40B4-BE49-F238E27FC236}">
+                <a16:creationId xmlns:a16="http://schemas.microsoft.com/office/drawing/2014/main" id="{29596387-0D76-593C-7238-FB8921B67401}"/>
+              </a:ext>
+            </a:extLst>
+          </p:cNvPr>
+          <p:cNvPicPr>
+            <a:picLocks noChangeAspect="1"/>
+          </p:cNvPicPr>
+          <p:nvPr/>
+        </p:nvPicPr>
+        <p:blipFill>
+          <a:blip r:embed="rId2"/>
+          <a:stretch>
+            <a:fillRect/>
+          </a:stretch>
+        </p:blipFill>
+        <p:spPr>
+          <a:xfrm>
+            <a:off x="5615370" y="3093394"/>
+            <a:ext cx="6576630" cy="3764606"/>
+          </a:xfrm>
+          <a:prstGeom prst="rect">
+            <a:avLst/>
+          </a:prstGeom>
+        </p:spPr>
+      </p:pic>
+      <p:pic>
+        <p:nvPicPr>
+          <p:cNvPr id="6" name="Picture 5">
+            <a:extLst>
+              <a:ext uri="{FF2B5EF4-FFF2-40B4-BE49-F238E27FC236}">
+                <a16:creationId xmlns:a16="http://schemas.microsoft.com/office/drawing/2014/main" id="{0B91B744-4241-5128-178A-568FCFE3B903}"/>
+              </a:ext>
+            </a:extLst>
+          </p:cNvPr>
+          <p:cNvPicPr>
+            <a:picLocks noChangeAspect="1"/>
+          </p:cNvPicPr>
+          <p:nvPr/>
+        </p:nvPicPr>
+        <p:blipFill>
+          <a:blip r:embed="rId3"/>
+          <a:stretch>
+            <a:fillRect/>
+          </a:stretch>
+        </p:blipFill>
+        <p:spPr>
+          <a:xfrm>
+            <a:off x="0" y="0"/>
+            <a:ext cx="6576630" cy="3764606"/>
+          </a:xfrm>
+          <a:prstGeom prst="rect">
+            <a:avLst/>
+          </a:prstGeom>
+        </p:spPr>
+      </p:pic>
+    </p:spTree>
+    <p:extLst>
+      <p:ext uri="{BB962C8B-B14F-4D97-AF65-F5344CB8AC3E}">
+        <p14:creationId xmlns:p14="http://schemas.microsoft.com/office/powerpoint/2010/main" val="2590039998"/>
+      </p:ext>
+    </p:extLst>
+  </p:cSld>
+  <p:clrMapOvr>
+    <a:masterClrMapping/>
+  </p:clrMapOvr>
+</p:sld>
+</file>
+
+<file path=ppt/slides/slide14.xml><?xml version="1.0" encoding="utf-8"?>
+<p:sld xmlns:a="http://schemas.openxmlformats.org/drawingml/2006/main" xmlns:r="http://schemas.openxmlformats.org/officeDocument/2006/relationships" xmlns:p="http://schemas.openxmlformats.org/presentationml/2006/main">
+  <p:cSld>
+    <p:spTree>
+      <p:nvGrpSpPr>
+        <p:cNvPr id="1" name=""/>
+        <p:cNvGrpSpPr/>
+        <p:nvPr/>
+      </p:nvGrpSpPr>
+      <p:grpSpPr>
+        <a:xfrm>
+          <a:off x="0" y="0"/>
+          <a:ext cx="0" cy="0"/>
+          <a:chOff x="0" y="0"/>
+          <a:chExt cx="0" cy="0"/>
+        </a:xfrm>
+      </p:grpSpPr>
+      <p:sp>
+        <p:nvSpPr>
+          <p:cNvPr id="2" name="Title 1">
+            <a:extLst>
+              <a:ext uri="{FF2B5EF4-FFF2-40B4-BE49-F238E27FC236}">
                 <a16:creationId xmlns:a16="http://schemas.microsoft.com/office/drawing/2014/main" id="{7EBE1D5D-833C-27CA-5288-C9871E169FBC}"/>
               </a:ext>
             </a:extLst>
@@ -3494,6 +3835,246 @@
     <p:extLst>
       <p:ext uri="{BB962C8B-B14F-4D97-AF65-F5344CB8AC3E}">
         <p14:creationId xmlns:p14="http://schemas.microsoft.com/office/powerpoint/2010/main" val="755528606"/>
+      </p:ext>
+    </p:extLst>
+  </p:cSld>
+  <p:clrMapOvr>
+    <a:masterClrMapping/>
+  </p:clrMapOvr>
+</p:sld>
+</file>
+
+<file path=ppt/slides/slide15.xml><?xml version="1.0" encoding="utf-8"?>
+<p:sld xmlns:a="http://schemas.openxmlformats.org/drawingml/2006/main" xmlns:r="http://schemas.openxmlformats.org/officeDocument/2006/relationships" xmlns:p="http://schemas.openxmlformats.org/presentationml/2006/main">
+  <p:cSld>
+    <p:spTree>
+      <p:nvGrpSpPr>
+        <p:cNvPr id="1" name=""/>
+        <p:cNvGrpSpPr/>
+        <p:nvPr/>
+      </p:nvGrpSpPr>
+      <p:grpSpPr>
+        <a:xfrm>
+          <a:off x="0" y="0"/>
+          <a:ext cx="0" cy="0"/>
+          <a:chOff x="0" y="0"/>
+          <a:chExt cx="0" cy="0"/>
+        </a:xfrm>
+      </p:grpSpPr>
+      <p:pic>
+        <p:nvPicPr>
+          <p:cNvPr id="4" name="Picture 3">
+            <a:extLst>
+              <a:ext uri="{FF2B5EF4-FFF2-40B4-BE49-F238E27FC236}">
+                <a16:creationId xmlns:a16="http://schemas.microsoft.com/office/drawing/2014/main" id="{AB8022BB-A017-83E6-9371-24F2859D7D51}"/>
+              </a:ext>
+            </a:extLst>
+          </p:cNvPr>
+          <p:cNvPicPr>
+            <a:picLocks noChangeAspect="1"/>
+          </p:cNvPicPr>
+          <p:nvPr/>
+        </p:nvPicPr>
+        <p:blipFill>
+          <a:blip r:embed="rId2"/>
+          <a:stretch>
+            <a:fillRect/>
+          </a:stretch>
+        </p:blipFill>
+        <p:spPr>
+          <a:xfrm>
+            <a:off x="3031277" y="756276"/>
+            <a:ext cx="6129446" cy="5345447"/>
+          </a:xfrm>
+          <a:prstGeom prst="rect">
+            <a:avLst/>
+          </a:prstGeom>
+        </p:spPr>
+      </p:pic>
+    </p:spTree>
+    <p:extLst>
+      <p:ext uri="{BB962C8B-B14F-4D97-AF65-F5344CB8AC3E}">
+        <p14:creationId xmlns:p14="http://schemas.microsoft.com/office/powerpoint/2010/main" val="4112775291"/>
+      </p:ext>
+    </p:extLst>
+  </p:cSld>
+  <p:clrMapOvr>
+    <a:masterClrMapping/>
+  </p:clrMapOvr>
+</p:sld>
+</file>
+
+<file path=ppt/slides/slide16.xml><?xml version="1.0" encoding="utf-8"?>
+<p:sld xmlns:a="http://schemas.openxmlformats.org/drawingml/2006/main" xmlns:r="http://schemas.openxmlformats.org/officeDocument/2006/relationships" xmlns:p="http://schemas.openxmlformats.org/presentationml/2006/main">
+  <p:cSld>
+    <p:spTree>
+      <p:nvGrpSpPr>
+        <p:cNvPr id="1" name=""/>
+        <p:cNvGrpSpPr/>
+        <p:nvPr/>
+      </p:nvGrpSpPr>
+      <p:grpSpPr>
+        <a:xfrm>
+          <a:off x="0" y="0"/>
+          <a:ext cx="0" cy="0"/>
+          <a:chOff x="0" y="0"/>
+          <a:chExt cx="0" cy="0"/>
+        </a:xfrm>
+      </p:grpSpPr>
+      <p:pic>
+        <p:nvPicPr>
+          <p:cNvPr id="6" name="Picture 5">
+            <a:extLst>
+              <a:ext uri="{FF2B5EF4-FFF2-40B4-BE49-F238E27FC236}">
+                <a16:creationId xmlns:a16="http://schemas.microsoft.com/office/drawing/2014/main" id="{6289897C-63C5-13DB-86BD-DA07421B6483}"/>
+              </a:ext>
+            </a:extLst>
+          </p:cNvPr>
+          <p:cNvPicPr>
+            <a:picLocks noChangeAspect="1"/>
+          </p:cNvPicPr>
+          <p:nvPr/>
+        </p:nvPicPr>
+        <p:blipFill>
+          <a:blip r:embed="rId2"/>
+          <a:stretch>
+            <a:fillRect/>
+          </a:stretch>
+        </p:blipFill>
+        <p:spPr>
+          <a:xfrm>
+            <a:off x="5883806" y="3247052"/>
+            <a:ext cx="6308193" cy="3610947"/>
+          </a:xfrm>
+          <a:prstGeom prst="rect">
+            <a:avLst/>
+          </a:prstGeom>
+        </p:spPr>
+      </p:pic>
+      <p:pic>
+        <p:nvPicPr>
+          <p:cNvPr id="4" name="Picture 3">
+            <a:extLst>
+              <a:ext uri="{FF2B5EF4-FFF2-40B4-BE49-F238E27FC236}">
+                <a16:creationId xmlns:a16="http://schemas.microsoft.com/office/drawing/2014/main" id="{12D5A871-5989-7272-3E53-7F08F5DF113A}"/>
+              </a:ext>
+            </a:extLst>
+          </p:cNvPr>
+          <p:cNvPicPr>
+            <a:picLocks noChangeAspect="1"/>
+          </p:cNvPicPr>
+          <p:nvPr/>
+        </p:nvPicPr>
+        <p:blipFill>
+          <a:blip r:embed="rId3"/>
+          <a:stretch>
+            <a:fillRect/>
+          </a:stretch>
+        </p:blipFill>
+        <p:spPr>
+          <a:xfrm>
+            <a:off x="0" y="0"/>
+            <a:ext cx="6484776" cy="3712027"/>
+          </a:xfrm>
+          <a:prstGeom prst="rect">
+            <a:avLst/>
+          </a:prstGeom>
+        </p:spPr>
+      </p:pic>
+    </p:spTree>
+    <p:extLst>
+      <p:ext uri="{BB962C8B-B14F-4D97-AF65-F5344CB8AC3E}">
+        <p14:creationId xmlns:p14="http://schemas.microsoft.com/office/powerpoint/2010/main" val="4288465316"/>
+      </p:ext>
+    </p:extLst>
+  </p:cSld>
+  <p:clrMapOvr>
+    <a:masterClrMapping/>
+  </p:clrMapOvr>
+</p:sld>
+</file>
+
+<file path=ppt/slides/slide17.xml><?xml version="1.0" encoding="utf-8"?>
+<p:sld xmlns:a="http://schemas.openxmlformats.org/drawingml/2006/main" xmlns:r="http://schemas.openxmlformats.org/officeDocument/2006/relationships" xmlns:p="http://schemas.openxmlformats.org/presentationml/2006/main">
+  <p:cSld>
+    <p:spTree>
+      <p:nvGrpSpPr>
+        <p:cNvPr id="1" name=""/>
+        <p:cNvGrpSpPr/>
+        <p:nvPr/>
+      </p:nvGrpSpPr>
+      <p:grpSpPr>
+        <a:xfrm>
+          <a:off x="0" y="0"/>
+          <a:ext cx="0" cy="0"/>
+          <a:chOff x="0" y="0"/>
+          <a:chExt cx="0" cy="0"/>
+        </a:xfrm>
+      </p:grpSpPr>
+      <p:pic>
+        <p:nvPicPr>
+          <p:cNvPr id="6" name="Picture 5">
+            <a:extLst>
+              <a:ext uri="{FF2B5EF4-FFF2-40B4-BE49-F238E27FC236}">
+                <a16:creationId xmlns:a16="http://schemas.microsoft.com/office/drawing/2014/main" id="{FDEFD672-D890-E549-47A5-36F30F6A04B1}"/>
+              </a:ext>
+            </a:extLst>
+          </p:cNvPr>
+          <p:cNvPicPr>
+            <a:picLocks noChangeAspect="1"/>
+          </p:cNvPicPr>
+          <p:nvPr/>
+        </p:nvPicPr>
+        <p:blipFill>
+          <a:blip r:embed="rId2"/>
+          <a:stretch>
+            <a:fillRect/>
+          </a:stretch>
+        </p:blipFill>
+        <p:spPr>
+          <a:xfrm>
+            <a:off x="5615370" y="3093394"/>
+            <a:ext cx="6576630" cy="3764606"/>
+          </a:xfrm>
+          <a:prstGeom prst="rect">
+            <a:avLst/>
+          </a:prstGeom>
+        </p:spPr>
+      </p:pic>
+      <p:pic>
+        <p:nvPicPr>
+          <p:cNvPr id="4" name="Picture 3">
+            <a:extLst>
+              <a:ext uri="{FF2B5EF4-FFF2-40B4-BE49-F238E27FC236}">
+                <a16:creationId xmlns:a16="http://schemas.microsoft.com/office/drawing/2014/main" id="{4A8DB0D2-8537-566D-358A-4F13E7DB863B}"/>
+              </a:ext>
+            </a:extLst>
+          </p:cNvPr>
+          <p:cNvPicPr>
+            <a:picLocks noChangeAspect="1"/>
+          </p:cNvPicPr>
+          <p:nvPr/>
+        </p:nvPicPr>
+        <p:blipFill>
+          <a:blip r:embed="rId3"/>
+          <a:stretch>
+            <a:fillRect/>
+          </a:stretch>
+        </p:blipFill>
+        <p:spPr>
+          <a:xfrm>
+            <a:off x="0" y="0"/>
+            <a:ext cx="6576630" cy="3764606"/>
+          </a:xfrm>
+          <a:prstGeom prst="rect">
+            <a:avLst/>
+          </a:prstGeom>
+        </p:spPr>
+      </p:pic>
+    </p:spTree>
+    <p:extLst>
+      <p:ext uri="{BB962C8B-B14F-4D97-AF65-F5344CB8AC3E}">
+        <p14:creationId xmlns:p14="http://schemas.microsoft.com/office/powerpoint/2010/main" val="1855459897"/>
       </p:ext>
     </p:extLst>
   </p:cSld>
@@ -3610,10 +4191,10 @@
       </p:grpSpPr>
       <p:pic>
         <p:nvPicPr>
-          <p:cNvPr id="5" name="Content Placeholder 4">
-            <a:extLst>
-              <a:ext uri="{FF2B5EF4-FFF2-40B4-BE49-F238E27FC236}">
-                <a16:creationId xmlns:a16="http://schemas.microsoft.com/office/drawing/2014/main" id="{E108B8A7-49B4-A6F8-0E00-7354678ACC6F}"/>
+          <p:cNvPr id="6" name="Content Placeholder 5">
+            <a:extLst>
+              <a:ext uri="{FF2B5EF4-FFF2-40B4-BE49-F238E27FC236}">
+                <a16:creationId xmlns:a16="http://schemas.microsoft.com/office/drawing/2014/main" id="{0333BCA9-1665-84B0-91B8-2D3B49DC2158}"/>
               </a:ext>
             </a:extLst>
           </p:cNvPr>
@@ -3624,45 +4205,17 @@
             <p:ph idx="1"/>
           </p:nvPr>
         </p:nvPicPr>
-        <p:blipFill rotWithShape="1">
+        <p:blipFill>
           <a:blip r:embed="rId2"/>
-          <a:srcRect r="17812"/>
-          <a:stretch/>
+          <a:stretch>
+            <a:fillRect/>
+          </a:stretch>
         </p:blipFill>
         <p:spPr>
           <a:xfrm>
-            <a:off x="265847" y="247260"/>
-            <a:ext cx="6601483" cy="3535986"/>
+            <a:off x="2996168" y="63623"/>
+            <a:ext cx="6199664" cy="6730754"/>
           </a:xfrm>
-        </p:spPr>
-      </p:pic>
-      <p:pic>
-        <p:nvPicPr>
-          <p:cNvPr id="7" name="Picture 6">
-            <a:extLst>
-              <a:ext uri="{FF2B5EF4-FFF2-40B4-BE49-F238E27FC236}">
-                <a16:creationId xmlns:a16="http://schemas.microsoft.com/office/drawing/2014/main" id="{1DAAA916-A6E7-06C5-B3C0-B23AAB0FA30C}"/>
-              </a:ext>
-            </a:extLst>
-          </p:cNvPr>
-          <p:cNvPicPr>
-            <a:picLocks noChangeAspect="1"/>
-          </p:cNvPicPr>
-          <p:nvPr/>
-        </p:nvPicPr>
-        <p:blipFill rotWithShape="1">
-          <a:blip r:embed="rId3"/>
-          <a:srcRect t="521" r="49480" b="-521"/>
-          <a:stretch/>
-        </p:blipFill>
-        <p:spPr>
-          <a:xfrm>
-            <a:off x="7181146" y="1565693"/>
-            <a:ext cx="4088678" cy="5189670"/>
-          </a:xfrm>
-          <a:prstGeom prst="rect">
-            <a:avLst/>
-          </a:prstGeom>
         </p:spPr>
       </p:pic>
     </p:spTree>
@@ -3697,10 +4250,10 @@
       </p:grpSpPr>
       <p:pic>
         <p:nvPicPr>
-          <p:cNvPr id="8" name="Picture 7">
-            <a:extLst>
-              <a:ext uri="{FF2B5EF4-FFF2-40B4-BE49-F238E27FC236}">
-                <a16:creationId xmlns:a16="http://schemas.microsoft.com/office/drawing/2014/main" id="{A014E4E5-EB67-34A7-0C80-2B206B025C4A}"/>
+          <p:cNvPr id="3" name="Picture 2">
+            <a:extLst>
+              <a:ext uri="{FF2B5EF4-FFF2-40B4-BE49-F238E27FC236}">
+                <a16:creationId xmlns:a16="http://schemas.microsoft.com/office/drawing/2014/main" id="{1EF5D383-2AEE-EC8E-5199-37460A8FBE39}"/>
               </a:ext>
             </a:extLst>
           </p:cNvPr>
@@ -3717,8 +4270,38 @@
         </p:blipFill>
         <p:spPr>
           <a:xfrm>
-            <a:off x="552371" y="567442"/>
-            <a:ext cx="11087257" cy="5723116"/>
+            <a:off x="0" y="81791"/>
+            <a:ext cx="6576630" cy="3764606"/>
+          </a:xfrm>
+          <a:prstGeom prst="rect">
+            <a:avLst/>
+          </a:prstGeom>
+        </p:spPr>
+      </p:pic>
+      <p:pic>
+        <p:nvPicPr>
+          <p:cNvPr id="5" name="Picture 4">
+            <a:extLst>
+              <a:ext uri="{FF2B5EF4-FFF2-40B4-BE49-F238E27FC236}">
+                <a16:creationId xmlns:a16="http://schemas.microsoft.com/office/drawing/2014/main" id="{62F996E6-6242-FB4C-83B7-261CFD8D3FD1}"/>
+              </a:ext>
+            </a:extLst>
+          </p:cNvPr>
+          <p:cNvPicPr>
+            <a:picLocks noChangeAspect="1"/>
+          </p:cNvPicPr>
+          <p:nvPr/>
+        </p:nvPicPr>
+        <p:blipFill>
+          <a:blip r:embed="rId3"/>
+          <a:stretch>
+            <a:fillRect/>
+          </a:stretch>
+        </p:blipFill>
+        <p:spPr>
+          <a:xfrm>
+            <a:off x="5952930" y="3204829"/>
+            <a:ext cx="6239069" cy="3571379"/>
           </a:xfrm>
           <a:prstGeom prst="rect">
             <a:avLst/>
@@ -3757,10 +4340,10 @@
       </p:grpSpPr>
       <p:pic>
         <p:nvPicPr>
-          <p:cNvPr id="6" name="Picture 5">
-            <a:extLst>
-              <a:ext uri="{FF2B5EF4-FFF2-40B4-BE49-F238E27FC236}">
-                <a16:creationId xmlns:a16="http://schemas.microsoft.com/office/drawing/2014/main" id="{1FD05076-743A-55EE-1BA1-8E73E19FB963}"/>
+          <p:cNvPr id="3" name="Picture 2">
+            <a:extLst>
+              <a:ext uri="{FF2B5EF4-FFF2-40B4-BE49-F238E27FC236}">
+                <a16:creationId xmlns:a16="http://schemas.microsoft.com/office/drawing/2014/main" id="{8F9FDD28-D7E5-4190-9455-DC61F82911C0}"/>
               </a:ext>
             </a:extLst>
           </p:cNvPr>
@@ -3777,8 +4360,8 @@
         </p:blipFill>
         <p:spPr>
           <a:xfrm>
-            <a:off x="5366676" y="2773993"/>
-            <a:ext cx="6657373" cy="3981370"/>
+            <a:off x="0" y="-335606"/>
+            <a:ext cx="6576630" cy="3764606"/>
           </a:xfrm>
           <a:prstGeom prst="rect">
             <a:avLst/>
@@ -3787,10 +4370,10 @@
       </p:pic>
       <p:pic>
         <p:nvPicPr>
-          <p:cNvPr id="4" name="Picture 3">
-            <a:extLst>
-              <a:ext uri="{FF2B5EF4-FFF2-40B4-BE49-F238E27FC236}">
-                <a16:creationId xmlns:a16="http://schemas.microsoft.com/office/drawing/2014/main" id="{4AF672FA-35B0-E13F-ED52-4B10E3AD5A80}"/>
+          <p:cNvPr id="7" name="Picture 6">
+            <a:extLst>
+              <a:ext uri="{FF2B5EF4-FFF2-40B4-BE49-F238E27FC236}">
+                <a16:creationId xmlns:a16="http://schemas.microsoft.com/office/drawing/2014/main" id="{F818BCC9-F6E2-576D-3B54-873F9EAB5786}"/>
               </a:ext>
             </a:extLst>
           </p:cNvPr>
@@ -3807,8 +4390,8 @@
         </p:blipFill>
         <p:spPr>
           <a:xfrm>
-            <a:off x="-105295" y="-83974"/>
-            <a:ext cx="6991287" cy="3704638"/>
+            <a:off x="5615370" y="2983611"/>
+            <a:ext cx="6576630" cy="3764606"/>
           </a:xfrm>
           <a:prstGeom prst="rect">
             <a:avLst/>
@@ -3936,10 +4519,10 @@
       </p:grpSpPr>
       <p:pic>
         <p:nvPicPr>
-          <p:cNvPr id="4" name="Picture 3">
-            <a:extLst>
-              <a:ext uri="{FF2B5EF4-FFF2-40B4-BE49-F238E27FC236}">
-                <a16:creationId xmlns:a16="http://schemas.microsoft.com/office/drawing/2014/main" id="{30CD5A42-8C8B-5A96-6FC6-9646CB95D7A7}"/>
+          <p:cNvPr id="3" name="Picture 2">
+            <a:extLst>
+              <a:ext uri="{FF2B5EF4-FFF2-40B4-BE49-F238E27FC236}">
+                <a16:creationId xmlns:a16="http://schemas.microsoft.com/office/drawing/2014/main" id="{BEC9595C-3461-1F14-0E92-E5516794B223}"/>
               </a:ext>
             </a:extLst>
           </p:cNvPr>
@@ -3948,44 +4531,16 @@
           </p:cNvPicPr>
           <p:nvPr/>
         </p:nvPicPr>
-        <p:blipFill rotWithShape="1">
+        <p:blipFill>
           <a:blip r:embed="rId2"/>
-          <a:srcRect r="25838"/>
-          <a:stretch/>
+          <a:stretch>
+            <a:fillRect/>
+          </a:stretch>
         </p:blipFill>
         <p:spPr>
           <a:xfrm>
-            <a:off x="139145" y="150267"/>
-            <a:ext cx="6264862" cy="2676909"/>
-          </a:xfrm>
-          <a:prstGeom prst="rect">
-            <a:avLst/>
-          </a:prstGeom>
-        </p:spPr>
-      </p:pic>
-      <p:pic>
-        <p:nvPicPr>
-          <p:cNvPr id="6" name="Picture 5">
-            <a:extLst>
-              <a:ext uri="{FF2B5EF4-FFF2-40B4-BE49-F238E27FC236}">
-                <a16:creationId xmlns:a16="http://schemas.microsoft.com/office/drawing/2014/main" id="{B9C2A8EF-5FA1-1529-CAC7-52849A7C8E87}"/>
-              </a:ext>
-            </a:extLst>
-          </p:cNvPr>
-          <p:cNvPicPr>
-            <a:picLocks noChangeAspect="1"/>
-          </p:cNvPicPr>
-          <p:nvPr/>
-        </p:nvPicPr>
-        <p:blipFill rotWithShape="1">
-          <a:blip r:embed="rId3"/>
-          <a:srcRect r="42099"/>
-          <a:stretch/>
-        </p:blipFill>
-        <p:spPr>
-          <a:xfrm>
-            <a:off x="6581288" y="786121"/>
-            <a:ext cx="5063315" cy="5619919"/>
+            <a:off x="3460474" y="581526"/>
+            <a:ext cx="5271052" cy="5694947"/>
           </a:xfrm>
           <a:prstGeom prst="rect">
             <a:avLst/>
@@ -4022,31 +4577,66 @@
           <a:chExt cx="0" cy="0"/>
         </a:xfrm>
       </p:grpSpPr>
-      <p:sp>
-        <p:nvSpPr>
-          <p:cNvPr id="2" name="Title 1">
-            <a:extLst>
-              <a:ext uri="{FF2B5EF4-FFF2-40B4-BE49-F238E27FC236}">
-                <a16:creationId xmlns:a16="http://schemas.microsoft.com/office/drawing/2014/main" id="{9AD52EA0-6F82-8F10-7B60-4A70B2F64B02}"/>
-              </a:ext>
-            </a:extLst>
-          </p:cNvPr>
-          <p:cNvSpPr>
-            <a:spLocks noGrp="1"/>
-          </p:cNvSpPr>
-          <p:nvPr>
-            <p:ph type="title"/>
-          </p:nvPr>
-        </p:nvSpPr>
-        <p:spPr/>
-        <p:txBody>
-          <a:bodyPr/>
-          <a:lstStyle/>
-          <a:p>
-            <a:endParaRPr lang="en-AT"/>
-          </a:p>
-        </p:txBody>
-      </p:sp>
+      <p:pic>
+        <p:nvPicPr>
+          <p:cNvPr id="10" name="Picture 9">
+            <a:extLst>
+              <a:ext uri="{FF2B5EF4-FFF2-40B4-BE49-F238E27FC236}">
+                <a16:creationId xmlns:a16="http://schemas.microsoft.com/office/drawing/2014/main" id="{C3467AED-425C-48FA-7B9E-483E8F358FE1}"/>
+              </a:ext>
+            </a:extLst>
+          </p:cNvPr>
+          <p:cNvPicPr>
+            <a:picLocks noChangeAspect="1"/>
+          </p:cNvPicPr>
+          <p:nvPr/>
+        </p:nvPicPr>
+        <p:blipFill>
+          <a:blip r:embed="rId2"/>
+          <a:stretch>
+            <a:fillRect/>
+          </a:stretch>
+        </p:blipFill>
+        <p:spPr>
+          <a:xfrm>
+            <a:off x="6027576" y="3329350"/>
+            <a:ext cx="6164424" cy="3528650"/>
+          </a:xfrm>
+          <a:prstGeom prst="rect">
+            <a:avLst/>
+          </a:prstGeom>
+        </p:spPr>
+      </p:pic>
+      <p:pic>
+        <p:nvPicPr>
+          <p:cNvPr id="8" name="Picture 7">
+            <a:extLst>
+              <a:ext uri="{FF2B5EF4-FFF2-40B4-BE49-F238E27FC236}">
+                <a16:creationId xmlns:a16="http://schemas.microsoft.com/office/drawing/2014/main" id="{FDD02966-0490-42A0-B474-B9838FCE35B3}"/>
+              </a:ext>
+            </a:extLst>
+          </p:cNvPr>
+          <p:cNvPicPr>
+            <a:picLocks noChangeAspect="1"/>
+          </p:cNvPicPr>
+          <p:nvPr/>
+        </p:nvPicPr>
+        <p:blipFill>
+          <a:blip r:embed="rId3"/>
+          <a:stretch>
+            <a:fillRect/>
+          </a:stretch>
+        </p:blipFill>
+        <p:spPr>
+          <a:xfrm>
+            <a:off x="0" y="0"/>
+            <a:ext cx="6354147" cy="3637252"/>
+          </a:xfrm>
+          <a:prstGeom prst="rect">
+            <a:avLst/>
+          </a:prstGeom>
+        </p:spPr>
+      </p:pic>
     </p:spTree>
     <p:extLst>
       <p:ext uri="{BB962C8B-B14F-4D97-AF65-F5344CB8AC3E}">
@@ -4077,31 +4667,66 @@
           <a:chExt cx="0" cy="0"/>
         </a:xfrm>
       </p:grpSpPr>
-      <p:sp>
-        <p:nvSpPr>
-          <p:cNvPr id="2" name="Title 1">
-            <a:extLst>
-              <a:ext uri="{FF2B5EF4-FFF2-40B4-BE49-F238E27FC236}">
-                <a16:creationId xmlns:a16="http://schemas.microsoft.com/office/drawing/2014/main" id="{8A14E56A-8585-1489-573E-17EE8C56ECAB}"/>
-              </a:ext>
-            </a:extLst>
-          </p:cNvPr>
-          <p:cNvSpPr>
-            <a:spLocks noGrp="1"/>
-          </p:cNvSpPr>
-          <p:nvPr>
-            <p:ph type="title"/>
-          </p:nvPr>
-        </p:nvSpPr>
-        <p:spPr/>
-        <p:txBody>
-          <a:bodyPr/>
-          <a:lstStyle/>
-          <a:p>
-            <a:endParaRPr lang="en-AT"/>
-          </a:p>
-        </p:txBody>
-      </p:sp>
+      <p:pic>
+        <p:nvPicPr>
+          <p:cNvPr id="6" name="Picture 5">
+            <a:extLst>
+              <a:ext uri="{FF2B5EF4-FFF2-40B4-BE49-F238E27FC236}">
+                <a16:creationId xmlns:a16="http://schemas.microsoft.com/office/drawing/2014/main" id="{1B733889-4082-C9B5-CCE3-AC1AA698E63D}"/>
+              </a:ext>
+            </a:extLst>
+          </p:cNvPr>
+          <p:cNvPicPr>
+            <a:picLocks noChangeAspect="1"/>
+          </p:cNvPicPr>
+          <p:nvPr/>
+        </p:nvPicPr>
+        <p:blipFill>
+          <a:blip r:embed="rId2"/>
+          <a:stretch>
+            <a:fillRect/>
+          </a:stretch>
+        </p:blipFill>
+        <p:spPr>
+          <a:xfrm>
+            <a:off x="0" y="0"/>
+            <a:ext cx="6370527" cy="3646628"/>
+          </a:xfrm>
+          <a:prstGeom prst="rect">
+            <a:avLst/>
+          </a:prstGeom>
+        </p:spPr>
+      </p:pic>
+      <p:pic>
+        <p:nvPicPr>
+          <p:cNvPr id="4" name="Picture 3">
+            <a:extLst>
+              <a:ext uri="{FF2B5EF4-FFF2-40B4-BE49-F238E27FC236}">
+                <a16:creationId xmlns:a16="http://schemas.microsoft.com/office/drawing/2014/main" id="{924DB5E2-3FB0-FB7D-E63E-129C88ED238D}"/>
+              </a:ext>
+            </a:extLst>
+          </p:cNvPr>
+          <p:cNvPicPr>
+            <a:picLocks noChangeAspect="1"/>
+          </p:cNvPicPr>
+          <p:nvPr/>
+        </p:nvPicPr>
+        <p:blipFill>
+          <a:blip r:embed="rId3"/>
+          <a:stretch>
+            <a:fillRect/>
+          </a:stretch>
+        </p:blipFill>
+        <p:spPr>
+          <a:xfrm>
+            <a:off x="5924939" y="3318192"/>
+            <a:ext cx="6183914" cy="3539807"/>
+          </a:xfrm>
+          <a:prstGeom prst="rect">
+            <a:avLst/>
+          </a:prstGeom>
+        </p:spPr>
+      </p:pic>
     </p:spTree>
     <p:extLst>
       <p:ext uri="{BB962C8B-B14F-4D97-AF65-F5344CB8AC3E}">
